--- a/lesson22.pptx
+++ b/lesson22.pptx
@@ -250,7 +250,7 @@
             <a:fld id="{85522811-C5C6-42D2-A409-F8556720C93F}" type="datetimeFigureOut">
               <a:rPr lang="uk-UA" smtClean="0"/>
               <a:pPr/>
-              <a:t>25.11.2020</a:t>
+              <a:t>26.11.2020</a:t>
             </a:fld>
             <a:endParaRPr lang="uk-UA"/>
           </a:p>
@@ -795,7 +795,7 @@
             <a:fld id="{0A2E6AC4-C3FE-4E70-88D1-136405B25267}" type="datetime1">
               <a:rPr lang="uk-UA" smtClean="0"/>
               <a:pPr/>
-              <a:t>25.11.2020</a:t>
+              <a:t>26.11.2020</a:t>
             </a:fld>
             <a:endParaRPr lang="uk-UA"/>
           </a:p>
@@ -962,7 +962,7 @@
             <a:fld id="{B4D85949-5AE9-41F1-B18C-DA1006B0E8CC}" type="datetime1">
               <a:rPr lang="uk-UA" smtClean="0"/>
               <a:pPr/>
-              <a:t>25.11.2020</a:t>
+              <a:t>26.11.2020</a:t>
             </a:fld>
             <a:endParaRPr lang="uk-UA"/>
           </a:p>
@@ -1139,7 +1139,7 @@
             <a:fld id="{B20C227C-94C5-4BA1-A89C-1C7570144B22}" type="datetime1">
               <a:rPr lang="uk-UA" smtClean="0"/>
               <a:pPr/>
-              <a:t>25.11.2020</a:t>
+              <a:t>26.11.2020</a:t>
             </a:fld>
             <a:endParaRPr lang="uk-UA"/>
           </a:p>
@@ -1306,7 +1306,7 @@
             <a:fld id="{68E2E168-B245-4D8D-8538-B29990DBF87B}" type="datetime1">
               <a:rPr lang="uk-UA" smtClean="0"/>
               <a:pPr/>
-              <a:t>25.11.2020</a:t>
+              <a:t>26.11.2020</a:t>
             </a:fld>
             <a:endParaRPr lang="uk-UA"/>
           </a:p>
@@ -1549,7 +1549,7 @@
             <a:fld id="{356DAF6E-7007-4E61-B36E-794BF232B234}" type="datetime1">
               <a:rPr lang="uk-UA" smtClean="0"/>
               <a:pPr/>
-              <a:t>25.11.2020</a:t>
+              <a:t>26.11.2020</a:t>
             </a:fld>
             <a:endParaRPr lang="uk-UA"/>
           </a:p>
@@ -1834,7 +1834,7 @@
             <a:fld id="{4B2141DD-FE72-44AA-B946-B70892F1F5B7}" type="datetime1">
               <a:rPr lang="uk-UA" smtClean="0"/>
               <a:pPr/>
-              <a:t>25.11.2020</a:t>
+              <a:t>26.11.2020</a:t>
             </a:fld>
             <a:endParaRPr lang="uk-UA"/>
           </a:p>
@@ -2253,7 +2253,7 @@
             <a:fld id="{D1C4DC7C-6CC4-4D1F-A21B-A650800E0532}" type="datetime1">
               <a:rPr lang="uk-UA" smtClean="0"/>
               <a:pPr/>
-              <a:t>25.11.2020</a:t>
+              <a:t>26.11.2020</a:t>
             </a:fld>
             <a:endParaRPr lang="uk-UA"/>
           </a:p>
@@ -2368,7 +2368,7 @@
             <a:fld id="{09E753FA-BE70-4E9D-A1A2-A798C2E22C2C}" type="datetime1">
               <a:rPr lang="uk-UA" smtClean="0"/>
               <a:pPr/>
-              <a:t>25.11.2020</a:t>
+              <a:t>26.11.2020</a:t>
             </a:fld>
             <a:endParaRPr lang="uk-UA"/>
           </a:p>
@@ -2460,7 +2460,7 @@
             <a:fld id="{BC4E9D1B-A194-48C6-B5A1-4C29D0F81227}" type="datetime1">
               <a:rPr lang="uk-UA" smtClean="0"/>
               <a:pPr/>
-              <a:t>25.11.2020</a:t>
+              <a:t>26.11.2020</a:t>
             </a:fld>
             <a:endParaRPr lang="uk-UA"/>
           </a:p>
@@ -2734,7 +2734,7 @@
             <a:fld id="{98DC5B78-3AEE-4E8C-84A2-DF8B252C6B7D}" type="datetime1">
               <a:rPr lang="uk-UA" smtClean="0"/>
               <a:pPr/>
-              <a:t>25.11.2020</a:t>
+              <a:t>26.11.2020</a:t>
             </a:fld>
             <a:endParaRPr lang="uk-UA"/>
           </a:p>
@@ -2984,7 +2984,7 @@
             <a:fld id="{08E6AC05-7690-4D29-B090-15CFA8055B58}" type="datetime1">
               <a:rPr lang="uk-UA" smtClean="0"/>
               <a:pPr/>
-              <a:t>25.11.2020</a:t>
+              <a:t>26.11.2020</a:t>
             </a:fld>
             <a:endParaRPr lang="uk-UA"/>
           </a:p>
@@ -3194,7 +3194,7 @@
             <a:fld id="{C4778AB5-85A2-4D58-9351-A198925B541D}" type="datetime1">
               <a:rPr lang="uk-UA" smtClean="0"/>
               <a:pPr/>
-              <a:t>25.11.2020</a:t>
+              <a:t>26.11.2020</a:t>
             </a:fld>
             <a:endParaRPr lang="uk-UA"/>
           </a:p>
@@ -4604,11 +4604,7 @@
             </a:r>
             <a:r>
               <a:rPr lang="ru-RU" sz="6000" b="1" dirty="0" smtClean="0"/>
-              <a:t>. </a:t>
-            </a:r>
-            <a:r>
-              <a:rPr lang="ru-RU" sz="6000" b="1" dirty="0" smtClean="0"/>
-              <a:t>Немного практики </a:t>
+              <a:t>. Немного практики </a:t>
             </a:r>
             <a:r>
               <a:rPr lang="en-US" sz="6000" b="1" dirty="0" smtClean="0"/>
@@ -6530,7 +6526,7 @@
           <a:lstStyle/>
           <a:p>
             <a:r>
-              <a:rPr lang="en-US" sz="3200" b="1" dirty="0" err="1">
+              <a:rPr lang="en-US" sz="3200" b="1" dirty="0" err="1" smtClean="0">
                 <a:solidFill>
                   <a:schemeClr val="accent6">
                     <a:lumMod val="75000"/>
@@ -6539,10 +6535,10 @@
                 <a:latin typeface="Courier New" panose="02070309020205020404" pitchFamily="49" charset="0"/>
                 <a:cs typeface="Courier New" panose="02070309020205020404" pitchFamily="49" charset="0"/>
               </a:rPr>
-              <a:t>document.querySelector</a:t>
-            </a:r>
-            <a:r>
-              <a:rPr lang="en-US" sz="3200" b="1" dirty="0">
+              <a:t>document.querySelectorAll</a:t>
+            </a:r>
+            <a:r>
+              <a:rPr lang="en-US" sz="3200" b="1" dirty="0" smtClean="0">
                 <a:solidFill>
                   <a:schemeClr val="accent6">
                     <a:lumMod val="75000"/>
@@ -6554,7 +6550,7 @@
               <a:t>(</a:t>
             </a:r>
             <a:r>
-              <a:rPr lang="en-US" sz="3200" dirty="0">
+              <a:rPr lang="en-US" sz="3200" dirty="0" smtClean="0">
                 <a:solidFill>
                   <a:srgbClr val="7030A0"/>
                 </a:solidFill>
